--- a/Presentation Final - everyone should check this.pptx
+++ b/Presentation Final - everyone should check this.pptx
@@ -111,6 +111,11 @@
       </a:defRPr>
     </a:lvl9pPr>
   </p:defaultTextStyle>
+  <p:extLst>
+    <p:ext uri="{EFAFB233-063F-42B5-8137-9DF3F51BA10A}">
+      <p15:sldGuideLst xmlns:p15="http://schemas.microsoft.com/office/powerpoint/2012/main"/>
+    </p:ext>
+  </p:extLst>
 </p:presentation>
 </file>
 
@@ -5790,17 +5795,33 @@
           <a:lstStyle/>
           <a:p>
             <a:r>
-              <a:rPr lang="en-US" dirty="0" smtClean="0"/>
+              <a:rPr lang="en-US" dirty="0" smtClean="0">
+                <a:solidFill>
+                  <a:srgbClr val="698C1C"/>
+                </a:solidFill>
+              </a:rPr>
               <a:t>Eco-friendly Vehicle Purchase</a:t>
             </a:r>
             <a:br>
-              <a:rPr lang="en-US" dirty="0" smtClean="0"/>
+              <a:rPr lang="en-US" dirty="0" smtClean="0">
+                <a:solidFill>
+                  <a:srgbClr val="698C1C"/>
+                </a:solidFill>
+              </a:rPr>
             </a:br>
             <a:r>
-              <a:rPr lang="en-US" i="1" dirty="0" smtClean="0"/>
+              <a:rPr lang="en-US" i="1" dirty="0" smtClean="0">
+                <a:solidFill>
+                  <a:srgbClr val="698C1C"/>
+                </a:solidFill>
+              </a:rPr>
               <a:t>WL Warriors</a:t>
             </a:r>
-            <a:endParaRPr lang="en-US" i="1" dirty="0"/>
+            <a:endParaRPr lang="en-US" i="1" dirty="0">
+              <a:solidFill>
+                <a:srgbClr val="698C1C"/>
+              </a:solidFill>
+            </a:endParaRPr>
           </a:p>
         </p:txBody>
       </p:sp>
@@ -5918,10 +5939,18 @@
           <a:p>
             <a:pPr algn="ctr"/>
             <a:r>
-              <a:rPr lang="en-US" dirty="0" smtClean="0"/>
+              <a:rPr lang="en-US" dirty="0" smtClean="0">
+                <a:solidFill>
+                  <a:srgbClr val="698C1C"/>
+                </a:solidFill>
+              </a:rPr>
               <a:t>Business Problem</a:t>
             </a:r>
-            <a:endParaRPr lang="en-US" dirty="0"/>
+            <a:endParaRPr lang="en-US" dirty="0">
+              <a:solidFill>
+                <a:srgbClr val="698C1C"/>
+              </a:solidFill>
+            </a:endParaRPr>
           </a:p>
         </p:txBody>
       </p:sp>
@@ -6486,10 +6515,18 @@
           <a:p>
             <a:pPr algn="ctr"/>
             <a:r>
-              <a:rPr lang="en-US" dirty="0" smtClean="0"/>
+              <a:rPr lang="en-US" dirty="0" smtClean="0">
+                <a:solidFill>
+                  <a:srgbClr val="698C1C"/>
+                </a:solidFill>
+              </a:rPr>
               <a:t>Data</a:t>
             </a:r>
-            <a:endParaRPr lang="en-US" dirty="0"/>
+            <a:endParaRPr lang="en-US" dirty="0">
+              <a:solidFill>
+                <a:srgbClr val="698C1C"/>
+              </a:solidFill>
+            </a:endParaRPr>
           </a:p>
         </p:txBody>
       </p:sp>
@@ -6802,11 +6839,7 @@
             </a:r>
             <a:r>
               <a:rPr lang="en-US" altLang="zh-CN" dirty="0"/>
-              <a:t>one feature “</a:t>
-            </a:r>
-            <a:r>
-              <a:rPr lang="en-US" altLang="zh-CN" dirty="0"/>
-              <a:t>Eco-Friendly</a:t>
+              <a:t>one feature “Eco-Friendly</a:t>
             </a:r>
             <a:r>
               <a:rPr lang="en-US" altLang="zh-CN" dirty="0" smtClean="0"/>
@@ -6814,11 +6847,7 @@
             </a:r>
             <a:r>
               <a:rPr lang="en-US" altLang="zh-CN" dirty="0"/>
-              <a:t>Prof</a:t>
-            </a:r>
-            <a:r>
-              <a:rPr lang="en-US" altLang="zh-CN" dirty="0"/>
-              <a:t>. </a:t>
+              <a:t>Prof. </a:t>
             </a:r>
             <a:r>
               <a:rPr lang="en-US" altLang="zh-CN" dirty="0" err="1" smtClean="0"/>
@@ -6952,10 +6981,18 @@
           <a:p>
             <a:pPr algn="ctr"/>
             <a:r>
-              <a:rPr lang="en-US" dirty="0" smtClean="0"/>
+              <a:rPr lang="en-US" dirty="0" smtClean="0">
+                <a:solidFill>
+                  <a:srgbClr val="698C1C"/>
+                </a:solidFill>
+              </a:rPr>
               <a:t>Parameters</a:t>
             </a:r>
-            <a:endParaRPr lang="en-US" dirty="0"/>
+            <a:endParaRPr lang="en-US" dirty="0">
+              <a:solidFill>
+                <a:srgbClr val="698C1C"/>
+              </a:solidFill>
+            </a:endParaRPr>
           </a:p>
         </p:txBody>
       </p:sp>
@@ -7168,10 +7205,18 @@
           <a:p>
             <a:pPr algn="ctr"/>
             <a:r>
-              <a:rPr lang="en-US" dirty="0" smtClean="0"/>
+              <a:rPr lang="en-US" dirty="0" smtClean="0">
+                <a:solidFill>
+                  <a:srgbClr val="698C1C"/>
+                </a:solidFill>
+              </a:rPr>
               <a:t>Analytics Problem</a:t>
             </a:r>
-            <a:endParaRPr lang="en-US" dirty="0"/>
+            <a:endParaRPr lang="en-US" dirty="0">
+              <a:solidFill>
+                <a:srgbClr val="698C1C"/>
+              </a:solidFill>
+            </a:endParaRPr>
           </a:p>
         </p:txBody>
       </p:sp>
@@ -7319,10 +7364,18 @@
           <a:p>
             <a:pPr algn="ctr"/>
             <a:r>
-              <a:rPr lang="en-US" dirty="0" smtClean="0"/>
+              <a:rPr lang="en-US" dirty="0" smtClean="0">
+                <a:solidFill>
+                  <a:srgbClr val="698C1C"/>
+                </a:solidFill>
+              </a:rPr>
               <a:t>App Demonstration</a:t>
             </a:r>
-            <a:endParaRPr lang="en-US" dirty="0"/>
+            <a:endParaRPr lang="en-US" dirty="0">
+              <a:solidFill>
+                <a:srgbClr val="698C1C"/>
+              </a:solidFill>
+            </a:endParaRPr>
           </a:p>
         </p:txBody>
       </p:sp>
@@ -7373,10 +7426,18 @@
           <a:p>
             <a:pPr algn="ctr"/>
             <a:r>
-              <a:rPr lang="en-US" dirty="0" smtClean="0"/>
+              <a:rPr lang="en-US" dirty="0" smtClean="0">
+                <a:solidFill>
+                  <a:srgbClr val="698C1C"/>
+                </a:solidFill>
+              </a:rPr>
               <a:t>Future Improvements</a:t>
             </a:r>
-            <a:endParaRPr lang="en-US" dirty="0"/>
+            <a:endParaRPr lang="en-US" dirty="0">
+              <a:solidFill>
+                <a:srgbClr val="698C1C"/>
+              </a:solidFill>
+            </a:endParaRPr>
           </a:p>
         </p:txBody>
       </p:sp>

--- a/Presentation Final - everyone should check this.pptx
+++ b/Presentation Final - everyone should check this.pptx
@@ -7032,7 +7032,7 @@
         <p:spPr/>
         <p:txBody>
           <a:bodyPr>
-            <a:normAutofit fontScale="85000" lnSpcReduction="20000"/>
+            <a:normAutofit fontScale="92500" lnSpcReduction="10000"/>
           </a:bodyPr>
           <a:lstStyle/>
           <a:p>
@@ -7062,26 +7062,28 @@
           <a:p>
             <a:r>
               <a:rPr lang="en-US" dirty="0" smtClean="0"/>
-              <a:t>Engine displacement in Liters (1.6, 2.0, 3.0 …)</a:t>
-            </a:r>
-          </a:p>
-          <a:p>
+              <a:t>Engine displacement in Liters (1.6, 2.0, 3.0 </a:t>
+            </a:r>
             <a:r>
               <a:rPr lang="en-US" dirty="0" smtClean="0"/>
-              <a:t>Drive (4-Wheel Drive, Front Wheel Drive…)</a:t>
-            </a:r>
+              <a:t>…)</a:t>
+            </a:r>
+            <a:endParaRPr lang="en-US" dirty="0" smtClean="0"/>
           </a:p>
           <a:p>
             <a:r>
               <a:rPr lang="en-US" dirty="0" smtClean="0"/>
-              <a:t>Annual Fuel Cost</a:t>
-            </a:r>
-          </a:p>
-          <a:p>
-            <a:r>
-              <a:rPr lang="en-US" dirty="0" smtClean="0"/>
-              <a:t>Fuel Type</a:t>
-            </a:r>
+              <a:t>Annual </a:t>
+            </a:r>
+            <a:r>
+              <a:rPr lang="en-US" smtClean="0"/>
+              <a:t>Fuel </a:t>
+            </a:r>
+            <a:r>
+              <a:rPr lang="en-US" smtClean="0"/>
+              <a:t>Cost</a:t>
+            </a:r>
+            <a:endParaRPr lang="en-US" dirty="0" smtClean="0"/>
           </a:p>
           <a:p>
             <a:r>
